--- a/lab02/1403160210_csm_窗口、控件及基本绘图.pptx
+++ b/lab02/1403160210_csm_窗口、控件及基本绘图.pptx
@@ -204,7 +204,7 @@
           <a:p>
             <a:fld id="{D2A48B96-639E-45A3-A0BA-2464DFDB1FAA}" type="datetimeFigureOut">
               <a:rPr lang="zh-CN" altLang="en-US" smtClean="0"/>
-              <a:t>2018/10/31</a:t>
+              <a:t>2018/11/10</a:t>
             </a:fld>
             <a:endParaRPr lang="zh-CN" altLang="en-US"/>
           </a:p>
@@ -654,7 +654,7 @@
           <a:p>
             <a:fld id="{B61BEF0D-F0BB-DE4B-95CE-6DB70DBA9567}" type="datetimeFigureOut">
               <a:rPr lang="en-US" dirty="0"/>
-              <a:t>10/31/2018</a:t>
+              <a:t>11/10/2018</a:t>
             </a:fld>
             <a:endParaRPr lang="en-US" dirty="0"/>
           </a:p>
@@ -987,7 +987,7 @@
           <a:p>
             <a:fld id="{B61BEF0D-F0BB-DE4B-95CE-6DB70DBA9567}" type="datetimeFigureOut">
               <a:rPr lang="en-US" dirty="0"/>
-              <a:t>10/31/2018</a:t>
+              <a:t>11/10/2018</a:t>
             </a:fld>
             <a:endParaRPr lang="en-US" dirty="0"/>
           </a:p>
@@ -1383,7 +1383,7 @@
           <a:p>
             <a:fld id="{B61BEF0D-F0BB-DE4B-95CE-6DB70DBA9567}" type="datetimeFigureOut">
               <a:rPr lang="en-US" dirty="0"/>
-              <a:t>10/31/2018</a:t>
+              <a:t>11/10/2018</a:t>
             </a:fld>
             <a:endParaRPr lang="en-US" dirty="0"/>
           </a:p>
@@ -1714,7 +1714,7 @@
           <a:p>
             <a:fld id="{B61BEF0D-F0BB-DE4B-95CE-6DB70DBA9567}" type="datetimeFigureOut">
               <a:rPr lang="en-US" dirty="0"/>
-              <a:t>10/31/2018</a:t>
+              <a:t>11/10/2018</a:t>
             </a:fld>
             <a:endParaRPr lang="en-US" dirty="0"/>
           </a:p>
@@ -2029,7 +2029,7 @@
           <a:p>
             <a:fld id="{B61BEF0D-F0BB-DE4B-95CE-6DB70DBA9567}" type="datetimeFigureOut">
               <a:rPr lang="en-US" dirty="0"/>
-              <a:t>10/31/2018</a:t>
+              <a:t>11/10/2018</a:t>
             </a:fld>
             <a:endParaRPr lang="en-US" dirty="0"/>
           </a:p>
@@ -2420,7 +2420,7 @@
           <a:p>
             <a:fld id="{B61BEF0D-F0BB-DE4B-95CE-6DB70DBA9567}" type="datetimeFigureOut">
               <a:rPr lang="en-US" dirty="0"/>
-              <a:t>10/31/2018</a:t>
+              <a:t>11/10/2018</a:t>
             </a:fld>
             <a:endParaRPr lang="en-US" dirty="0"/>
           </a:p>
@@ -2672,7 +2672,7 @@
           <a:p>
             <a:fld id="{B61BEF0D-F0BB-DE4B-95CE-6DB70DBA9567}" type="datetimeFigureOut">
               <a:rPr lang="en-US" dirty="0"/>
-              <a:t>10/31/2018</a:t>
+              <a:t>11/10/2018</a:t>
             </a:fld>
             <a:endParaRPr lang="en-US" dirty="0"/>
           </a:p>
@@ -2929,7 +2929,7 @@
           <a:p>
             <a:fld id="{B61BEF0D-F0BB-DE4B-95CE-6DB70DBA9567}" type="datetimeFigureOut">
               <a:rPr lang="en-US" dirty="0"/>
-              <a:t>10/31/2018</a:t>
+              <a:t>11/10/2018</a:t>
             </a:fld>
             <a:endParaRPr lang="en-US" dirty="0"/>
           </a:p>
@@ -3186,7 +3186,7 @@
           <a:p>
             <a:fld id="{B61BEF0D-F0BB-DE4B-95CE-6DB70DBA9567}" type="datetimeFigureOut">
               <a:rPr lang="en-US" dirty="0"/>
-              <a:t>10/31/2018</a:t>
+              <a:t>11/10/2018</a:t>
             </a:fld>
             <a:endParaRPr lang="en-US" dirty="0"/>
           </a:p>
@@ -3510,7 +3510,7 @@
           <a:p>
             <a:fld id="{B61BEF0D-F0BB-DE4B-95CE-6DB70DBA9567}" type="datetimeFigureOut">
               <a:rPr lang="en-US" dirty="0"/>
-              <a:t>10/31/2018</a:t>
+              <a:t>11/10/2018</a:t>
             </a:fld>
             <a:endParaRPr lang="en-US" dirty="0"/>
           </a:p>
@@ -3828,7 +3828,7 @@
           <a:p>
             <a:fld id="{B61BEF0D-F0BB-DE4B-95CE-6DB70DBA9567}" type="datetimeFigureOut">
               <a:rPr lang="en-US" dirty="0"/>
-              <a:t>10/31/2018</a:t>
+              <a:t>11/10/2018</a:t>
             </a:fld>
             <a:endParaRPr lang="en-US" dirty="0"/>
           </a:p>
@@ -4280,7 +4280,7 @@
           <a:p>
             <a:fld id="{B61BEF0D-F0BB-DE4B-95CE-6DB70DBA9567}" type="datetimeFigureOut">
               <a:rPr lang="en-US" dirty="0"/>
-              <a:t>10/31/2018</a:t>
+              <a:t>11/10/2018</a:t>
             </a:fld>
             <a:endParaRPr lang="en-US" dirty="0"/>
           </a:p>
@@ -4480,7 +4480,7 @@
           <a:p>
             <a:fld id="{B61BEF0D-F0BB-DE4B-95CE-6DB70DBA9567}" type="datetimeFigureOut">
               <a:rPr lang="en-US" dirty="0"/>
-              <a:t>10/31/2018</a:t>
+              <a:t>11/10/2018</a:t>
             </a:fld>
             <a:endParaRPr lang="en-US" dirty="0"/>
           </a:p>
@@ -4652,7 +4652,7 @@
           <a:p>
             <a:fld id="{B61BEF0D-F0BB-DE4B-95CE-6DB70DBA9567}" type="datetimeFigureOut">
               <a:rPr lang="en-US" dirty="0"/>
-              <a:t>10/31/2018</a:t>
+              <a:t>11/10/2018</a:t>
             </a:fld>
             <a:endParaRPr lang="en-US" dirty="0"/>
           </a:p>
@@ -4980,7 +4980,7 @@
           <a:p>
             <a:fld id="{B61BEF0D-F0BB-DE4B-95CE-6DB70DBA9567}" type="datetimeFigureOut">
               <a:rPr lang="en-US" dirty="0"/>
-              <a:t>10/31/2018</a:t>
+              <a:t>11/10/2018</a:t>
             </a:fld>
             <a:endParaRPr lang="en-US" dirty="0"/>
           </a:p>
@@ -5320,7 +5320,7 @@
           <a:p>
             <a:fld id="{B61BEF0D-F0BB-DE4B-95CE-6DB70DBA9567}" type="datetimeFigureOut">
               <a:rPr lang="en-US" dirty="0"/>
-              <a:t>10/31/2018</a:t>
+              <a:t>11/10/2018</a:t>
             </a:fld>
             <a:endParaRPr lang="en-US" dirty="0"/>
           </a:p>
@@ -7432,7 +7432,7 @@
           <a:p>
             <a:fld id="{B61BEF0D-F0BB-DE4B-95CE-6DB70DBA9567}" type="datetimeFigureOut">
               <a:rPr lang="en-US" dirty="0"/>
-              <a:t>10/31/2018</a:t>
+              <a:t>11/10/2018</a:t>
             </a:fld>
             <a:endParaRPr lang="en-US" dirty="0"/>
           </a:p>
@@ -8083,7 +8083,7 @@
         <p:spPr>
           <a:xfrm>
             <a:off x="1549399" y="624109"/>
-            <a:ext cx="9955212" cy="4980823"/>
+            <a:ext cx="10942712" cy="4980823"/>
           </a:xfrm>
         </p:spPr>
         <p:txBody>
@@ -8202,7 +8202,7 @@
                 <a:latin typeface="黑体" panose="02010609060101010101" pitchFamily="49" charset="-122"/>
                 <a:ea typeface="黑体" panose="02010609060101010101" pitchFamily="49" charset="-122"/>
               </a:rPr>
-              <a:t>用户可自定义图像并可在图像上绘制。</a:t>
+              <a:t>用户自定义图像，可自适应窗口并能在图像上绘制。</a:t>
             </a:r>
             <a:br>
               <a:rPr lang="zh-CN" altLang="en-US" sz="4000" dirty="0">
@@ -12731,7 +12731,7 @@
         </p:nvSpPr>
         <p:spPr>
           <a:xfrm>
-            <a:off x="6267848" y="4868847"/>
+            <a:off x="6238981" y="4825551"/>
             <a:ext cx="774571" cy="369332"/>
           </a:xfrm>
           <a:prstGeom prst="rect">
@@ -12960,6 +12960,94 @@
               </a:rPr>
               <a:t>函数更新图像</a:t>
             </a:r>
+          </a:p>
+        </p:txBody>
+      </p:sp>
+      <p:sp>
+        <p:nvSpPr>
+          <p:cNvPr id="11" name="文本框 10">
+            <a:extLst>
+              <a:ext uri="{FF2B5EF4-FFF2-40B4-BE49-F238E27FC236}">
+                <a16:creationId xmlns:a16="http://schemas.microsoft.com/office/drawing/2014/main" id="{24BA2DDF-BC33-4EAD-BEBA-9C9D198F7680}"/>
+              </a:ext>
+            </a:extLst>
+          </p:cNvPr>
+          <p:cNvSpPr txBox="1"/>
+          <p:nvPr/>
+        </p:nvSpPr>
+        <p:spPr>
+          <a:xfrm>
+            <a:off x="6428935" y="4501476"/>
+            <a:ext cx="555182" cy="369332"/>
+          </a:xfrm>
+          <a:prstGeom prst="rect">
+            <a:avLst/>
+          </a:prstGeom>
+          <a:noFill/>
+        </p:spPr>
+        <p:txBody>
+          <a:bodyPr wrap="square" rtlCol="0">
+            <a:spAutoFit/>
+          </a:bodyPr>
+          <a:lstStyle/>
+          <a:p>
+            <a:r>
+              <a:rPr lang="en-US" altLang="zh-CN" dirty="0">
+                <a:solidFill>
+                  <a:srgbClr val="FF0000"/>
+                </a:solidFill>
+              </a:rPr>
+              <a:t>pix</a:t>
+            </a:r>
+            <a:endParaRPr lang="zh-CN" altLang="en-US" dirty="0">
+              <a:solidFill>
+                <a:srgbClr val="FF0000"/>
+              </a:solidFill>
+            </a:endParaRPr>
+          </a:p>
+        </p:txBody>
+      </p:sp>
+      <p:sp>
+        <p:nvSpPr>
+          <p:cNvPr id="12" name="文本框 11">
+            <a:extLst>
+              <a:ext uri="{FF2B5EF4-FFF2-40B4-BE49-F238E27FC236}">
+                <a16:creationId xmlns:a16="http://schemas.microsoft.com/office/drawing/2014/main" id="{A6BE6813-3579-418F-BE2C-964D23ADA5C9}"/>
+              </a:ext>
+            </a:extLst>
+          </p:cNvPr>
+          <p:cNvSpPr txBox="1"/>
+          <p:nvPr/>
+        </p:nvSpPr>
+        <p:spPr>
+          <a:xfrm>
+            <a:off x="6428758" y="5013574"/>
+            <a:ext cx="716527" cy="369332"/>
+          </a:xfrm>
+          <a:prstGeom prst="rect">
+            <a:avLst/>
+          </a:prstGeom>
+          <a:noFill/>
+        </p:spPr>
+        <p:txBody>
+          <a:bodyPr wrap="square" rtlCol="0">
+            <a:spAutoFit/>
+          </a:bodyPr>
+          <a:lstStyle/>
+          <a:p>
+            <a:r>
+              <a:rPr lang="en-US" altLang="zh-CN" dirty="0">
+                <a:solidFill>
+                  <a:srgbClr val="FF0000"/>
+                </a:solidFill>
+              </a:rPr>
+              <a:t>pia</a:t>
+            </a:r>
+            <a:endParaRPr lang="zh-CN" altLang="en-US" dirty="0">
+              <a:solidFill>
+                <a:srgbClr val="FF0000"/>
+              </a:solidFill>
+            </a:endParaRPr>
           </a:p>
         </p:txBody>
       </p:sp>
@@ -13507,8 +13595,8 @@
         </p:nvSpPr>
         <p:spPr>
           <a:xfrm>
-            <a:off x="6787515" y="6170471"/>
-            <a:ext cx="2625969" cy="461665"/>
+            <a:off x="7500292" y="5479770"/>
+            <a:ext cx="4415483" cy="1631216"/>
           </a:xfrm>
           <a:prstGeom prst="rect">
             <a:avLst/>
@@ -13522,13 +13610,67 @@
           <a:lstStyle/>
           <a:p>
             <a:r>
-              <a:rPr lang="zh-CN" altLang="en-US" sz="2400" dirty="0">
+              <a:rPr lang="en-US" altLang="zh-CN" sz="2000" dirty="0">
                 <a:solidFill>
                   <a:srgbClr val="FF0000"/>
                 </a:solidFill>
               </a:rPr>
-              <a:t>绘制图片</a:t>
-            </a:r>
+              <a:t>Pict()</a:t>
+            </a:r>
+            <a:r>
+              <a:rPr lang="zh-CN" altLang="en-US" sz="2000" dirty="0">
+                <a:solidFill>
+                  <a:srgbClr val="FF0000"/>
+                </a:solidFill>
+              </a:rPr>
+              <a:t>函数中加</a:t>
+            </a:r>
+            <a:r>
+              <a:rPr lang="en-US" altLang="zh-CN" sz="2000" dirty="0">
+                <a:solidFill>
+                  <a:srgbClr val="FF0000"/>
+                </a:solidFill>
+              </a:rPr>
+              <a:t>pia</a:t>
+            </a:r>
+            <a:r>
+              <a:rPr lang="zh-CN" altLang="en-US" sz="2000" dirty="0">
+                <a:solidFill>
+                  <a:srgbClr val="FF0000"/>
+                </a:solidFill>
+              </a:rPr>
+              <a:t>指针，指向选定图片，</a:t>
+            </a:r>
+            <a:r>
+              <a:rPr lang="en-US" altLang="zh-CN" sz="2000" dirty="0">
+                <a:solidFill>
+                  <a:srgbClr val="FF0000"/>
+                </a:solidFill>
+              </a:rPr>
+              <a:t>paintEvent</a:t>
+            </a:r>
+            <a:r>
+              <a:rPr lang="zh-CN" altLang="en-US" sz="2000" dirty="0">
+                <a:solidFill>
+                  <a:srgbClr val="FF0000"/>
+                </a:solidFill>
+              </a:rPr>
+              <a:t>中实现图片自适应窗口并重绘</a:t>
+            </a:r>
+          </a:p>
+          <a:p>
+            <a:endParaRPr lang="en-US" altLang="zh-CN" sz="2000" dirty="0">
+              <a:solidFill>
+                <a:srgbClr val="FF0000"/>
+              </a:solidFill>
+            </a:endParaRPr>
+          </a:p>
+          <a:p>
+            <a:endParaRPr lang="en-US" altLang="zh-CN" sz="2000" dirty="0">
+              <a:solidFill>
+                <a:srgbClr val="FF0000"/>
+              </a:solidFill>
+            </a:endParaRPr>
           </a:p>
         </p:txBody>
       </p:sp>

--- a/lab02/1403160210_csm_窗口、控件及基本绘图.pptx
+++ b/lab02/1403160210_csm_窗口、控件及基本绘图.pptx
@@ -204,7 +204,7 @@
           <a:p>
             <a:fld id="{D2A48B96-639E-45A3-A0BA-2464DFDB1FAA}" type="datetimeFigureOut">
               <a:rPr lang="zh-CN" altLang="en-US" smtClean="0"/>
-              <a:t>2018/11/10</a:t>
+              <a:t>2018/10/31</a:t>
             </a:fld>
             <a:endParaRPr lang="zh-CN" altLang="en-US"/>
           </a:p>
@@ -654,7 +654,7 @@
           <a:p>
             <a:fld id="{B61BEF0D-F0BB-DE4B-95CE-6DB70DBA9567}" type="datetimeFigureOut">
               <a:rPr lang="en-US" dirty="0"/>
-              <a:t>11/10/2018</a:t>
+              <a:t>10/31/2018</a:t>
             </a:fld>
             <a:endParaRPr lang="en-US" dirty="0"/>
           </a:p>
@@ -987,7 +987,7 @@
           <a:p>
             <a:fld id="{B61BEF0D-F0BB-DE4B-95CE-6DB70DBA9567}" type="datetimeFigureOut">
               <a:rPr lang="en-US" dirty="0"/>
-              <a:t>11/10/2018</a:t>
+              <a:t>10/31/2018</a:t>
             </a:fld>
             <a:endParaRPr lang="en-US" dirty="0"/>
           </a:p>
@@ -1383,7 +1383,7 @@
           <a:p>
             <a:fld id="{B61BEF0D-F0BB-DE4B-95CE-6DB70DBA9567}" type="datetimeFigureOut">
               <a:rPr lang="en-US" dirty="0"/>
-              <a:t>11/10/2018</a:t>
+              <a:t>10/31/2018</a:t>
             </a:fld>
             <a:endParaRPr lang="en-US" dirty="0"/>
           </a:p>
@@ -1714,7 +1714,7 @@
           <a:p>
             <a:fld id="{B61BEF0D-F0BB-DE4B-95CE-6DB70DBA9567}" type="datetimeFigureOut">
               <a:rPr lang="en-US" dirty="0"/>
-              <a:t>11/10/2018</a:t>
+              <a:t>10/31/2018</a:t>
             </a:fld>
             <a:endParaRPr lang="en-US" dirty="0"/>
           </a:p>
@@ -2029,7 +2029,7 @@
           <a:p>
             <a:fld id="{B61BEF0D-F0BB-DE4B-95CE-6DB70DBA9567}" type="datetimeFigureOut">
               <a:rPr lang="en-US" dirty="0"/>
-              <a:t>11/10/2018</a:t>
+              <a:t>10/31/2018</a:t>
             </a:fld>
             <a:endParaRPr lang="en-US" dirty="0"/>
           </a:p>
@@ -2420,7 +2420,7 @@
           <a:p>
             <a:fld id="{B61BEF0D-F0BB-DE4B-95CE-6DB70DBA9567}" type="datetimeFigureOut">
               <a:rPr lang="en-US" dirty="0"/>
-              <a:t>11/10/2018</a:t>
+              <a:t>10/31/2018</a:t>
             </a:fld>
             <a:endParaRPr lang="en-US" dirty="0"/>
           </a:p>
@@ -2672,7 +2672,7 @@
           <a:p>
             <a:fld id="{B61BEF0D-F0BB-DE4B-95CE-6DB70DBA9567}" type="datetimeFigureOut">
               <a:rPr lang="en-US" dirty="0"/>
-              <a:t>11/10/2018</a:t>
+              <a:t>10/31/2018</a:t>
             </a:fld>
             <a:endParaRPr lang="en-US" dirty="0"/>
           </a:p>
@@ -2929,7 +2929,7 @@
           <a:p>
             <a:fld id="{B61BEF0D-F0BB-DE4B-95CE-6DB70DBA9567}" type="datetimeFigureOut">
               <a:rPr lang="en-US" dirty="0"/>
-              <a:t>11/10/2018</a:t>
+              <a:t>10/31/2018</a:t>
             </a:fld>
             <a:endParaRPr lang="en-US" dirty="0"/>
           </a:p>
@@ -3186,7 +3186,7 @@
           <a:p>
             <a:fld id="{B61BEF0D-F0BB-DE4B-95CE-6DB70DBA9567}" type="datetimeFigureOut">
               <a:rPr lang="en-US" dirty="0"/>
-              <a:t>11/10/2018</a:t>
+              <a:t>10/31/2018</a:t>
             </a:fld>
             <a:endParaRPr lang="en-US" dirty="0"/>
           </a:p>
@@ -3510,7 +3510,7 @@
           <a:p>
             <a:fld id="{B61BEF0D-F0BB-DE4B-95CE-6DB70DBA9567}" type="datetimeFigureOut">
               <a:rPr lang="en-US" dirty="0"/>
-              <a:t>11/10/2018</a:t>
+              <a:t>10/31/2018</a:t>
             </a:fld>
             <a:endParaRPr lang="en-US" dirty="0"/>
           </a:p>
@@ -3828,7 +3828,7 @@
           <a:p>
             <a:fld id="{B61BEF0D-F0BB-DE4B-95CE-6DB70DBA9567}" type="datetimeFigureOut">
               <a:rPr lang="en-US" dirty="0"/>
-              <a:t>11/10/2018</a:t>
+              <a:t>10/31/2018</a:t>
             </a:fld>
             <a:endParaRPr lang="en-US" dirty="0"/>
           </a:p>
@@ -4280,7 +4280,7 @@
           <a:p>
             <a:fld id="{B61BEF0D-F0BB-DE4B-95CE-6DB70DBA9567}" type="datetimeFigureOut">
               <a:rPr lang="en-US" dirty="0"/>
-              <a:t>11/10/2018</a:t>
+              <a:t>10/31/2018</a:t>
             </a:fld>
             <a:endParaRPr lang="en-US" dirty="0"/>
           </a:p>
@@ -4480,7 +4480,7 @@
           <a:p>
             <a:fld id="{B61BEF0D-F0BB-DE4B-95CE-6DB70DBA9567}" type="datetimeFigureOut">
               <a:rPr lang="en-US" dirty="0"/>
-              <a:t>11/10/2018</a:t>
+              <a:t>10/31/2018</a:t>
             </a:fld>
             <a:endParaRPr lang="en-US" dirty="0"/>
           </a:p>
@@ -4652,7 +4652,7 @@
           <a:p>
             <a:fld id="{B61BEF0D-F0BB-DE4B-95CE-6DB70DBA9567}" type="datetimeFigureOut">
               <a:rPr lang="en-US" dirty="0"/>
-              <a:t>11/10/2018</a:t>
+              <a:t>10/31/2018</a:t>
             </a:fld>
             <a:endParaRPr lang="en-US" dirty="0"/>
           </a:p>
@@ -4980,7 +4980,7 @@
           <a:p>
             <a:fld id="{B61BEF0D-F0BB-DE4B-95CE-6DB70DBA9567}" type="datetimeFigureOut">
               <a:rPr lang="en-US" dirty="0"/>
-              <a:t>11/10/2018</a:t>
+              <a:t>10/31/2018</a:t>
             </a:fld>
             <a:endParaRPr lang="en-US" dirty="0"/>
           </a:p>
@@ -5320,7 +5320,7 @@
           <a:p>
             <a:fld id="{B61BEF0D-F0BB-DE4B-95CE-6DB70DBA9567}" type="datetimeFigureOut">
               <a:rPr lang="en-US" dirty="0"/>
-              <a:t>11/10/2018</a:t>
+              <a:t>10/31/2018</a:t>
             </a:fld>
             <a:endParaRPr lang="en-US" dirty="0"/>
           </a:p>
@@ -7432,7 +7432,7 @@
           <a:p>
             <a:fld id="{B61BEF0D-F0BB-DE4B-95CE-6DB70DBA9567}" type="datetimeFigureOut">
               <a:rPr lang="en-US" dirty="0"/>
-              <a:t>11/10/2018</a:t>
+              <a:t>10/31/2018</a:t>
             </a:fld>
             <a:endParaRPr lang="en-US" dirty="0"/>
           </a:p>
@@ -8083,7 +8083,7 @@
         <p:spPr>
           <a:xfrm>
             <a:off x="1549399" y="624109"/>
-            <a:ext cx="10942712" cy="4980823"/>
+            <a:ext cx="9955212" cy="4980823"/>
           </a:xfrm>
         </p:spPr>
         <p:txBody>
@@ -8202,7 +8202,7 @@
                 <a:latin typeface="黑体" panose="02010609060101010101" pitchFamily="49" charset="-122"/>
                 <a:ea typeface="黑体" panose="02010609060101010101" pitchFamily="49" charset="-122"/>
               </a:rPr>
-              <a:t>用户自定义图像，可自适应窗口并能在图像上绘制。</a:t>
+              <a:t>用户可自定义图像并可在图像上绘制。</a:t>
             </a:r>
             <a:br>
               <a:rPr lang="zh-CN" altLang="en-US" sz="4000" dirty="0">
@@ -12731,7 +12731,7 @@
         </p:nvSpPr>
         <p:spPr>
           <a:xfrm>
-            <a:off x="6238981" y="4825551"/>
+            <a:off x="6267848" y="4868847"/>
             <a:ext cx="774571" cy="369332"/>
           </a:xfrm>
           <a:prstGeom prst="rect">
@@ -12960,94 +12960,6 @@
               </a:rPr>
               <a:t>函数更新图像</a:t>
             </a:r>
-          </a:p>
-        </p:txBody>
-      </p:sp>
-      <p:sp>
-        <p:nvSpPr>
-          <p:cNvPr id="11" name="文本框 10">
-            <a:extLst>
-              <a:ext uri="{FF2B5EF4-FFF2-40B4-BE49-F238E27FC236}">
-                <a16:creationId xmlns:a16="http://schemas.microsoft.com/office/drawing/2014/main" id="{24BA2DDF-BC33-4EAD-BEBA-9C9D198F7680}"/>
-              </a:ext>
-            </a:extLst>
-          </p:cNvPr>
-          <p:cNvSpPr txBox="1"/>
-          <p:nvPr/>
-        </p:nvSpPr>
-        <p:spPr>
-          <a:xfrm>
-            <a:off x="6428935" y="4501476"/>
-            <a:ext cx="555182" cy="369332"/>
-          </a:xfrm>
-          <a:prstGeom prst="rect">
-            <a:avLst/>
-          </a:prstGeom>
-          <a:noFill/>
-        </p:spPr>
-        <p:txBody>
-          <a:bodyPr wrap="square" rtlCol="0">
-            <a:spAutoFit/>
-          </a:bodyPr>
-          <a:lstStyle/>
-          <a:p>
-            <a:r>
-              <a:rPr lang="en-US" altLang="zh-CN" dirty="0">
-                <a:solidFill>
-                  <a:srgbClr val="FF0000"/>
-                </a:solidFill>
-              </a:rPr>
-              <a:t>pix</a:t>
-            </a:r>
-            <a:endParaRPr lang="zh-CN" altLang="en-US" dirty="0">
-              <a:solidFill>
-                <a:srgbClr val="FF0000"/>
-              </a:solidFill>
-            </a:endParaRPr>
-          </a:p>
-        </p:txBody>
-      </p:sp>
-      <p:sp>
-        <p:nvSpPr>
-          <p:cNvPr id="12" name="文本框 11">
-            <a:extLst>
-              <a:ext uri="{FF2B5EF4-FFF2-40B4-BE49-F238E27FC236}">
-                <a16:creationId xmlns:a16="http://schemas.microsoft.com/office/drawing/2014/main" id="{A6BE6813-3579-418F-BE2C-964D23ADA5C9}"/>
-              </a:ext>
-            </a:extLst>
-          </p:cNvPr>
-          <p:cNvSpPr txBox="1"/>
-          <p:nvPr/>
-        </p:nvSpPr>
-        <p:spPr>
-          <a:xfrm>
-            <a:off x="6428758" y="5013574"/>
-            <a:ext cx="716527" cy="369332"/>
-          </a:xfrm>
-          <a:prstGeom prst="rect">
-            <a:avLst/>
-          </a:prstGeom>
-          <a:noFill/>
-        </p:spPr>
-        <p:txBody>
-          <a:bodyPr wrap="square" rtlCol="0">
-            <a:spAutoFit/>
-          </a:bodyPr>
-          <a:lstStyle/>
-          <a:p>
-            <a:r>
-              <a:rPr lang="en-US" altLang="zh-CN" dirty="0">
-                <a:solidFill>
-                  <a:srgbClr val="FF0000"/>
-                </a:solidFill>
-              </a:rPr>
-              <a:t>pia</a:t>
-            </a:r>
-            <a:endParaRPr lang="zh-CN" altLang="en-US" dirty="0">
-              <a:solidFill>
-                <a:srgbClr val="FF0000"/>
-              </a:solidFill>
-            </a:endParaRPr>
           </a:p>
         </p:txBody>
       </p:sp>
@@ -13595,8 +13507,8 @@
         </p:nvSpPr>
         <p:spPr>
           <a:xfrm>
-            <a:off x="7500292" y="5479770"/>
-            <a:ext cx="4415483" cy="1631216"/>
+            <a:off x="6787515" y="6170471"/>
+            <a:ext cx="2625969" cy="461665"/>
           </a:xfrm>
           <a:prstGeom prst="rect">
             <a:avLst/>
@@ -13610,67 +13522,13 @@
           <a:lstStyle/>
           <a:p>
             <a:r>
-              <a:rPr lang="en-US" altLang="zh-CN" sz="2000" dirty="0">
+              <a:rPr lang="zh-CN" altLang="en-US" sz="2400" dirty="0">
                 <a:solidFill>
                   <a:srgbClr val="FF0000"/>
                 </a:solidFill>
               </a:rPr>
-              <a:t>Pict()</a:t>
-            </a:r>
-            <a:r>
-              <a:rPr lang="zh-CN" altLang="en-US" sz="2000" dirty="0">
-                <a:solidFill>
-                  <a:srgbClr val="FF0000"/>
-                </a:solidFill>
-              </a:rPr>
-              <a:t>函数中加</a:t>
-            </a:r>
-            <a:r>
-              <a:rPr lang="en-US" altLang="zh-CN" sz="2000" dirty="0">
-                <a:solidFill>
-                  <a:srgbClr val="FF0000"/>
-                </a:solidFill>
-              </a:rPr>
-              <a:t>pia</a:t>
-            </a:r>
-            <a:r>
-              <a:rPr lang="zh-CN" altLang="en-US" sz="2000" dirty="0">
-                <a:solidFill>
-                  <a:srgbClr val="FF0000"/>
-                </a:solidFill>
-              </a:rPr>
-              <a:t>指针，指向选定图片，</a:t>
-            </a:r>
-            <a:r>
-              <a:rPr lang="en-US" altLang="zh-CN" sz="2000" dirty="0">
-                <a:solidFill>
-                  <a:srgbClr val="FF0000"/>
-                </a:solidFill>
-              </a:rPr>
-              <a:t>paintEvent</a:t>
-            </a:r>
-            <a:r>
-              <a:rPr lang="zh-CN" altLang="en-US" sz="2000" dirty="0">
-                <a:solidFill>
-                  <a:srgbClr val="FF0000"/>
-                </a:solidFill>
-              </a:rPr>
-              <a:t>中实现图片自适应窗口并重绘</a:t>
-            </a:r>
-          </a:p>
-          <a:p>
-            <a:endParaRPr lang="en-US" altLang="zh-CN" sz="2000" dirty="0">
-              <a:solidFill>
-                <a:srgbClr val="FF0000"/>
-              </a:solidFill>
-            </a:endParaRPr>
-          </a:p>
-          <a:p>
-            <a:endParaRPr lang="en-US" altLang="zh-CN" sz="2000" dirty="0">
-              <a:solidFill>
-                <a:srgbClr val="FF0000"/>
-              </a:solidFill>
-            </a:endParaRPr>
+              <a:t>绘制图片</a:t>
+            </a:r>
           </a:p>
         </p:txBody>
       </p:sp>
